--- a/documentation/draft/ci-environment/deploy-configuration-strategy.pptx
+++ b/documentation/draft/ci-environment/deploy-configuration-strategy.pptx
@@ -5,10 +5,14 @@
     <p:sldMasterId id="2147483648" r:id="rId1"/>
   </p:sldMasterIdLst>
   <p:notesMasterIdLst>
-    <p:notesMasterId r:id="rId3"/>
+    <p:notesMasterId r:id="rId7"/>
   </p:notesMasterIdLst>
   <p:sldIdLst>
     <p:sldId id="272" r:id="rId2"/>
+    <p:sldId id="276" r:id="rId3"/>
+    <p:sldId id="273" r:id="rId4"/>
+    <p:sldId id="275" r:id="rId5"/>
+    <p:sldId id="274" r:id="rId6"/>
   </p:sldIdLst>
   <p:sldSz cx="9144000" cy="6858000" type="screen4x3"/>
   <p:notesSz cx="6858000" cy="9144000"/>
@@ -458,6 +462,410 @@
     </a:lvl9pPr>
   </p:notesStyle>
 </p:notesMaster>
+</file>
+
+<file path=ppt/notesSlides/notesSlide1.xml><?xml version="1.0" encoding="utf-8"?>
+<p:notes xmlns:a="http://schemas.openxmlformats.org/drawingml/2006/main" xmlns:r="http://schemas.openxmlformats.org/officeDocument/2006/relationships" xmlns:p="http://schemas.openxmlformats.org/presentationml/2006/main">
+  <p:cSld>
+    <p:spTree>
+      <p:nvGrpSpPr>
+        <p:cNvPr id="1" name=""/>
+        <p:cNvGrpSpPr/>
+        <p:nvPr/>
+      </p:nvGrpSpPr>
+      <p:grpSpPr>
+        <a:xfrm>
+          <a:off x="0" y="0"/>
+          <a:ext cx="0" cy="0"/>
+          <a:chOff x="0" y="0"/>
+          <a:chExt cx="0" cy="0"/>
+        </a:xfrm>
+      </p:grpSpPr>
+      <p:sp>
+        <p:nvSpPr>
+          <p:cNvPr id="2" name="슬라이드 이미지 개체 틀 1"/>
+          <p:cNvSpPr>
+            <a:spLocks noGrp="1" noRot="1" noChangeAspect="1"/>
+          </p:cNvSpPr>
+          <p:nvPr>
+            <p:ph type="sldImg"/>
+          </p:nvPr>
+        </p:nvSpPr>
+        <p:spPr/>
+      </p:sp>
+      <p:sp>
+        <p:nvSpPr>
+          <p:cNvPr id="3" name="슬라이드 노트 개체 틀 2"/>
+          <p:cNvSpPr>
+            <a:spLocks noGrp="1"/>
+          </p:cNvSpPr>
+          <p:nvPr>
+            <p:ph type="body" idx="1"/>
+          </p:nvPr>
+        </p:nvSpPr>
+        <p:spPr/>
+        <p:txBody>
+          <a:bodyPr/>
+          <a:lstStyle/>
+          <a:p>
+            <a:pPr marL="0" marR="0" indent="0" algn="l" defTabSz="914400" rtl="0" eaLnBrk="1" fontAlgn="auto" latinLnBrk="1" hangingPunct="1">
+              <a:lnSpc>
+                <a:spcPct val="100000"/>
+              </a:lnSpc>
+              <a:spcBef>
+                <a:spcPts val="0"/>
+              </a:spcBef>
+              <a:spcAft>
+                <a:spcPts val="0"/>
+              </a:spcAft>
+              <a:buClrTx/>
+              <a:buSzTx/>
+              <a:buFontTx/>
+              <a:buNone/>
+              <a:tabLst/>
+              <a:defRPr/>
+            </a:pPr>
+            <a:endParaRPr lang="en-US" altLang="ko-KR" baseline="0" dirty="0" smtClean="0"/>
+          </a:p>
+        </p:txBody>
+      </p:sp>
+      <p:sp>
+        <p:nvSpPr>
+          <p:cNvPr id="4" name="슬라이드 번호 개체 틀 3"/>
+          <p:cNvSpPr>
+            <a:spLocks noGrp="1"/>
+          </p:cNvSpPr>
+          <p:nvPr>
+            <p:ph type="sldNum" sz="quarter" idx="10"/>
+          </p:nvPr>
+        </p:nvSpPr>
+        <p:spPr/>
+        <p:txBody>
+          <a:bodyPr/>
+          <a:lstStyle/>
+          <a:p>
+            <a:fld id="{C1E391D6-6E66-4AFB-BD1F-A8610761245C}" type="slidenum">
+              <a:rPr lang="ko-KR" altLang="en-US" smtClean="0"/>
+              <a:t>2</a:t>
+            </a:fld>
+            <a:endParaRPr lang="ko-KR" altLang="en-US"/>
+          </a:p>
+        </p:txBody>
+      </p:sp>
+    </p:spTree>
+    <p:extLst>
+      <p:ext uri="{BB962C8B-B14F-4D97-AF65-F5344CB8AC3E}">
+        <p14:creationId xmlns:p14="http://schemas.microsoft.com/office/powerpoint/2010/main" val="897092915"/>
+      </p:ext>
+    </p:extLst>
+  </p:cSld>
+  <p:clrMapOvr>
+    <a:masterClrMapping/>
+  </p:clrMapOvr>
+</p:notes>
+</file>
+
+<file path=ppt/notesSlides/notesSlide2.xml><?xml version="1.0" encoding="utf-8"?>
+<p:notes xmlns:a="http://schemas.openxmlformats.org/drawingml/2006/main" xmlns:r="http://schemas.openxmlformats.org/officeDocument/2006/relationships" xmlns:p="http://schemas.openxmlformats.org/presentationml/2006/main">
+  <p:cSld>
+    <p:spTree>
+      <p:nvGrpSpPr>
+        <p:cNvPr id="1" name=""/>
+        <p:cNvGrpSpPr/>
+        <p:nvPr/>
+      </p:nvGrpSpPr>
+      <p:grpSpPr>
+        <a:xfrm>
+          <a:off x="0" y="0"/>
+          <a:ext cx="0" cy="0"/>
+          <a:chOff x="0" y="0"/>
+          <a:chExt cx="0" cy="0"/>
+        </a:xfrm>
+      </p:grpSpPr>
+      <p:sp>
+        <p:nvSpPr>
+          <p:cNvPr id="2" name="슬라이드 이미지 개체 틀 1"/>
+          <p:cNvSpPr>
+            <a:spLocks noGrp="1" noRot="1" noChangeAspect="1"/>
+          </p:cNvSpPr>
+          <p:nvPr>
+            <p:ph type="sldImg"/>
+          </p:nvPr>
+        </p:nvSpPr>
+        <p:spPr/>
+      </p:sp>
+      <p:sp>
+        <p:nvSpPr>
+          <p:cNvPr id="3" name="슬라이드 노트 개체 틀 2"/>
+          <p:cNvSpPr>
+            <a:spLocks noGrp="1"/>
+          </p:cNvSpPr>
+          <p:nvPr>
+            <p:ph type="body" idx="1"/>
+          </p:nvPr>
+        </p:nvSpPr>
+        <p:spPr/>
+        <p:txBody>
+          <a:bodyPr/>
+          <a:lstStyle/>
+          <a:p>
+            <a:pPr marL="0" marR="0" indent="0" algn="l" defTabSz="914400" rtl="0" eaLnBrk="1" fontAlgn="auto" latinLnBrk="1" hangingPunct="1">
+              <a:lnSpc>
+                <a:spcPct val="100000"/>
+              </a:lnSpc>
+              <a:spcBef>
+                <a:spcPts val="0"/>
+              </a:spcBef>
+              <a:spcAft>
+                <a:spcPts val="0"/>
+              </a:spcAft>
+              <a:buClrTx/>
+              <a:buSzTx/>
+              <a:buFontTx/>
+              <a:buNone/>
+              <a:tabLst/>
+              <a:defRPr/>
+            </a:pPr>
+            <a:endParaRPr lang="en-US" altLang="ko-KR" baseline="0" dirty="0" smtClean="0"/>
+          </a:p>
+        </p:txBody>
+      </p:sp>
+      <p:sp>
+        <p:nvSpPr>
+          <p:cNvPr id="4" name="슬라이드 번호 개체 틀 3"/>
+          <p:cNvSpPr>
+            <a:spLocks noGrp="1"/>
+          </p:cNvSpPr>
+          <p:nvPr>
+            <p:ph type="sldNum" sz="quarter" idx="10"/>
+          </p:nvPr>
+        </p:nvSpPr>
+        <p:spPr/>
+        <p:txBody>
+          <a:bodyPr/>
+          <a:lstStyle/>
+          <a:p>
+            <a:fld id="{C1E391D6-6E66-4AFB-BD1F-A8610761245C}" type="slidenum">
+              <a:rPr lang="ko-KR" altLang="en-US" smtClean="0"/>
+              <a:t>3</a:t>
+            </a:fld>
+            <a:endParaRPr lang="ko-KR" altLang="en-US"/>
+          </a:p>
+        </p:txBody>
+      </p:sp>
+    </p:spTree>
+    <p:extLst>
+      <p:ext uri="{BB962C8B-B14F-4D97-AF65-F5344CB8AC3E}">
+        <p14:creationId xmlns:p14="http://schemas.microsoft.com/office/powerpoint/2010/main" val="897092915"/>
+      </p:ext>
+    </p:extLst>
+  </p:cSld>
+  <p:clrMapOvr>
+    <a:masterClrMapping/>
+  </p:clrMapOvr>
+</p:notes>
+</file>
+
+<file path=ppt/notesSlides/notesSlide3.xml><?xml version="1.0" encoding="utf-8"?>
+<p:notes xmlns:a="http://schemas.openxmlformats.org/drawingml/2006/main" xmlns:r="http://schemas.openxmlformats.org/officeDocument/2006/relationships" xmlns:p="http://schemas.openxmlformats.org/presentationml/2006/main">
+  <p:cSld>
+    <p:spTree>
+      <p:nvGrpSpPr>
+        <p:cNvPr id="1" name=""/>
+        <p:cNvGrpSpPr/>
+        <p:nvPr/>
+      </p:nvGrpSpPr>
+      <p:grpSpPr>
+        <a:xfrm>
+          <a:off x="0" y="0"/>
+          <a:ext cx="0" cy="0"/>
+          <a:chOff x="0" y="0"/>
+          <a:chExt cx="0" cy="0"/>
+        </a:xfrm>
+      </p:grpSpPr>
+      <p:sp>
+        <p:nvSpPr>
+          <p:cNvPr id="2" name="슬라이드 이미지 개체 틀 1"/>
+          <p:cNvSpPr>
+            <a:spLocks noGrp="1" noRot="1" noChangeAspect="1"/>
+          </p:cNvSpPr>
+          <p:nvPr>
+            <p:ph type="sldImg"/>
+          </p:nvPr>
+        </p:nvSpPr>
+        <p:spPr/>
+      </p:sp>
+      <p:sp>
+        <p:nvSpPr>
+          <p:cNvPr id="3" name="슬라이드 노트 개체 틀 2"/>
+          <p:cNvSpPr>
+            <a:spLocks noGrp="1"/>
+          </p:cNvSpPr>
+          <p:nvPr>
+            <p:ph type="body" idx="1"/>
+          </p:nvPr>
+        </p:nvSpPr>
+        <p:spPr/>
+        <p:txBody>
+          <a:bodyPr/>
+          <a:lstStyle/>
+          <a:p>
+            <a:pPr marL="0" marR="0" indent="0" algn="l" defTabSz="914400" rtl="0" eaLnBrk="1" fontAlgn="auto" latinLnBrk="1" hangingPunct="1">
+              <a:lnSpc>
+                <a:spcPct val="100000"/>
+              </a:lnSpc>
+              <a:spcBef>
+                <a:spcPts val="0"/>
+              </a:spcBef>
+              <a:spcAft>
+                <a:spcPts val="0"/>
+              </a:spcAft>
+              <a:buClrTx/>
+              <a:buSzTx/>
+              <a:buFontTx/>
+              <a:buNone/>
+              <a:tabLst/>
+              <a:defRPr/>
+            </a:pPr>
+            <a:endParaRPr lang="en-US" altLang="ko-KR" baseline="0" dirty="0" smtClean="0"/>
+          </a:p>
+        </p:txBody>
+      </p:sp>
+      <p:sp>
+        <p:nvSpPr>
+          <p:cNvPr id="4" name="슬라이드 번호 개체 틀 3"/>
+          <p:cNvSpPr>
+            <a:spLocks noGrp="1"/>
+          </p:cNvSpPr>
+          <p:nvPr>
+            <p:ph type="sldNum" sz="quarter" idx="10"/>
+          </p:nvPr>
+        </p:nvSpPr>
+        <p:spPr/>
+        <p:txBody>
+          <a:bodyPr/>
+          <a:lstStyle/>
+          <a:p>
+            <a:fld id="{C1E391D6-6E66-4AFB-BD1F-A8610761245C}" type="slidenum">
+              <a:rPr lang="ko-KR" altLang="en-US" smtClean="0"/>
+              <a:t>4</a:t>
+            </a:fld>
+            <a:endParaRPr lang="ko-KR" altLang="en-US"/>
+          </a:p>
+        </p:txBody>
+      </p:sp>
+    </p:spTree>
+    <p:extLst>
+      <p:ext uri="{BB962C8B-B14F-4D97-AF65-F5344CB8AC3E}">
+        <p14:creationId xmlns:p14="http://schemas.microsoft.com/office/powerpoint/2010/main" val="897092915"/>
+      </p:ext>
+    </p:extLst>
+  </p:cSld>
+  <p:clrMapOvr>
+    <a:masterClrMapping/>
+  </p:clrMapOvr>
+</p:notes>
+</file>
+
+<file path=ppt/notesSlides/notesSlide4.xml><?xml version="1.0" encoding="utf-8"?>
+<p:notes xmlns:a="http://schemas.openxmlformats.org/drawingml/2006/main" xmlns:r="http://schemas.openxmlformats.org/officeDocument/2006/relationships" xmlns:p="http://schemas.openxmlformats.org/presentationml/2006/main">
+  <p:cSld>
+    <p:spTree>
+      <p:nvGrpSpPr>
+        <p:cNvPr id="1" name=""/>
+        <p:cNvGrpSpPr/>
+        <p:nvPr/>
+      </p:nvGrpSpPr>
+      <p:grpSpPr>
+        <a:xfrm>
+          <a:off x="0" y="0"/>
+          <a:ext cx="0" cy="0"/>
+          <a:chOff x="0" y="0"/>
+          <a:chExt cx="0" cy="0"/>
+        </a:xfrm>
+      </p:grpSpPr>
+      <p:sp>
+        <p:nvSpPr>
+          <p:cNvPr id="2" name="슬라이드 이미지 개체 틀 1"/>
+          <p:cNvSpPr>
+            <a:spLocks noGrp="1" noRot="1" noChangeAspect="1"/>
+          </p:cNvSpPr>
+          <p:nvPr>
+            <p:ph type="sldImg"/>
+          </p:nvPr>
+        </p:nvSpPr>
+        <p:spPr/>
+      </p:sp>
+      <p:sp>
+        <p:nvSpPr>
+          <p:cNvPr id="3" name="슬라이드 노트 개체 틀 2"/>
+          <p:cNvSpPr>
+            <a:spLocks noGrp="1"/>
+          </p:cNvSpPr>
+          <p:nvPr>
+            <p:ph type="body" idx="1"/>
+          </p:nvPr>
+        </p:nvSpPr>
+        <p:spPr/>
+        <p:txBody>
+          <a:bodyPr/>
+          <a:lstStyle/>
+          <a:p>
+            <a:pPr marL="0" marR="0" indent="0" algn="l" defTabSz="914400" rtl="0" eaLnBrk="1" fontAlgn="auto" latinLnBrk="1" hangingPunct="1">
+              <a:lnSpc>
+                <a:spcPct val="100000"/>
+              </a:lnSpc>
+              <a:spcBef>
+                <a:spcPts val="0"/>
+              </a:spcBef>
+              <a:spcAft>
+                <a:spcPts val="0"/>
+              </a:spcAft>
+              <a:buClrTx/>
+              <a:buSzTx/>
+              <a:buFontTx/>
+              <a:buNone/>
+              <a:tabLst/>
+              <a:defRPr/>
+            </a:pPr>
+            <a:endParaRPr lang="en-US" altLang="ko-KR" baseline="0" dirty="0" smtClean="0"/>
+          </a:p>
+        </p:txBody>
+      </p:sp>
+      <p:sp>
+        <p:nvSpPr>
+          <p:cNvPr id="4" name="슬라이드 번호 개체 틀 3"/>
+          <p:cNvSpPr>
+            <a:spLocks noGrp="1"/>
+          </p:cNvSpPr>
+          <p:nvPr>
+            <p:ph type="sldNum" sz="quarter" idx="10"/>
+          </p:nvPr>
+        </p:nvSpPr>
+        <p:spPr/>
+        <p:txBody>
+          <a:bodyPr/>
+          <a:lstStyle/>
+          <a:p>
+            <a:fld id="{C1E391D6-6E66-4AFB-BD1F-A8610761245C}" type="slidenum">
+              <a:rPr lang="ko-KR" altLang="en-US" smtClean="0"/>
+              <a:t>5</a:t>
+            </a:fld>
+            <a:endParaRPr lang="ko-KR" altLang="en-US"/>
+          </a:p>
+        </p:txBody>
+      </p:sp>
+    </p:spTree>
+    <p:extLst>
+      <p:ext uri="{BB962C8B-B14F-4D97-AF65-F5344CB8AC3E}">
+        <p14:creationId xmlns:p14="http://schemas.microsoft.com/office/powerpoint/2010/main" val="897092915"/>
+      </p:ext>
+    </p:extLst>
+  </p:cSld>
+  <p:clrMapOvr>
+    <a:masterClrMapping/>
+  </p:clrMapOvr>
+</p:notes>
 </file>
 
 <file path=ppt/slideLayouts/slideLayout1.xml><?xml version="1.0" encoding="utf-8"?>
@@ -3437,6 +3845,286 @@
     <p:extLst>
       <p:ext uri="{BB962C8B-B14F-4D97-AF65-F5344CB8AC3E}">
         <p14:creationId xmlns:p14="http://schemas.microsoft.com/office/powerpoint/2010/main" val="2093760635"/>
+      </p:ext>
+    </p:extLst>
+  </p:cSld>
+  <p:clrMapOvr>
+    <a:masterClrMapping/>
+  </p:clrMapOvr>
+</p:sld>
+</file>
+
+<file path=ppt/slides/slide2.xml><?xml version="1.0" encoding="utf-8"?>
+<p:sld xmlns:a="http://schemas.openxmlformats.org/drawingml/2006/main" xmlns:r="http://schemas.openxmlformats.org/officeDocument/2006/relationships" xmlns:p="http://schemas.openxmlformats.org/presentationml/2006/main">
+  <p:cSld>
+    <p:spTree>
+      <p:nvGrpSpPr>
+        <p:cNvPr id="1" name=""/>
+        <p:cNvGrpSpPr/>
+        <p:nvPr/>
+      </p:nvGrpSpPr>
+      <p:grpSpPr>
+        <a:xfrm>
+          <a:off x="0" y="0"/>
+          <a:ext cx="0" cy="0"/>
+          <a:chOff x="0" y="0"/>
+          <a:chExt cx="0" cy="0"/>
+        </a:xfrm>
+      </p:grpSpPr>
+      <p:sp>
+        <p:nvSpPr>
+          <p:cNvPr id="2" name="TextBox 1"/>
+          <p:cNvSpPr txBox="1"/>
+          <p:nvPr/>
+        </p:nvSpPr>
+        <p:spPr>
+          <a:xfrm>
+            <a:off x="233887" y="260648"/>
+            <a:ext cx="4968220" cy="646331"/>
+          </a:xfrm>
+          <a:prstGeom prst="rect">
+            <a:avLst/>
+          </a:prstGeom>
+          <a:noFill/>
+        </p:spPr>
+        <p:txBody>
+          <a:bodyPr wrap="none" rtlCol="0">
+            <a:spAutoFit/>
+          </a:bodyPr>
+          <a:lstStyle/>
+          <a:p>
+            <a:r>
+              <a:rPr lang="en-US" altLang="ko-KR" b="1" dirty="0" smtClean="0"/>
+              <a:t>Copy Configuration from another directory</a:t>
+            </a:r>
+            <a:endParaRPr lang="en-US" altLang="ko-KR" b="1" dirty="0" smtClean="0"/>
+          </a:p>
+          <a:p>
+            <a:r>
+              <a:rPr lang="en-US" altLang="ko-KR" dirty="0" smtClean="0"/>
+              <a:t>-</a:t>
+            </a:r>
+            <a:endParaRPr lang="ko-KR" altLang="en-US" dirty="0"/>
+          </a:p>
+        </p:txBody>
+      </p:sp>
+    </p:spTree>
+    <p:extLst>
+      <p:ext uri="{BB962C8B-B14F-4D97-AF65-F5344CB8AC3E}">
+        <p14:creationId xmlns:p14="http://schemas.microsoft.com/office/powerpoint/2010/main" val="1972096504"/>
+      </p:ext>
+    </p:extLst>
+  </p:cSld>
+  <p:clrMapOvr>
+    <a:masterClrMapping/>
+  </p:clrMapOvr>
+</p:sld>
+</file>
+
+<file path=ppt/slides/slide3.xml><?xml version="1.0" encoding="utf-8"?>
+<p:sld xmlns:a="http://schemas.openxmlformats.org/drawingml/2006/main" xmlns:r="http://schemas.openxmlformats.org/officeDocument/2006/relationships" xmlns:p="http://schemas.openxmlformats.org/presentationml/2006/main">
+  <p:cSld>
+    <p:spTree>
+      <p:nvGrpSpPr>
+        <p:cNvPr id="1" name=""/>
+        <p:cNvGrpSpPr/>
+        <p:nvPr/>
+      </p:nvGrpSpPr>
+      <p:grpSpPr>
+        <a:xfrm>
+          <a:off x="0" y="0"/>
+          <a:ext cx="0" cy="0"/>
+          <a:chOff x="0" y="0"/>
+          <a:chExt cx="0" cy="0"/>
+        </a:xfrm>
+      </p:grpSpPr>
+      <p:sp>
+        <p:nvSpPr>
+          <p:cNvPr id="2" name="TextBox 1"/>
+          <p:cNvSpPr txBox="1"/>
+          <p:nvPr/>
+        </p:nvSpPr>
+        <p:spPr>
+          <a:xfrm>
+            <a:off x="233887" y="260648"/>
+            <a:ext cx="6504345" cy="646331"/>
+          </a:xfrm>
+          <a:prstGeom prst="rect">
+            <a:avLst/>
+          </a:prstGeom>
+          <a:noFill/>
+        </p:spPr>
+        <p:txBody>
+          <a:bodyPr wrap="none" rtlCol="0">
+            <a:spAutoFit/>
+          </a:bodyPr>
+          <a:lstStyle/>
+          <a:p>
+            <a:r>
+              <a:rPr lang="en-US" altLang="ko-KR" b="1" dirty="0" smtClean="0"/>
+              <a:t>Get Configuration from </a:t>
+            </a:r>
+            <a:r>
+              <a:rPr lang="en-US" altLang="ko-KR" b="1" dirty="0" smtClean="0"/>
+              <a:t>SCM Tag / Branch and Overwrite</a:t>
+            </a:r>
+            <a:endParaRPr lang="en-US" altLang="ko-KR" b="1" dirty="0" smtClean="0"/>
+          </a:p>
+          <a:p>
+            <a:r>
+              <a:rPr lang="en-US" altLang="ko-KR" dirty="0" smtClean="0"/>
+              <a:t>-</a:t>
+            </a:r>
+            <a:endParaRPr lang="ko-KR" altLang="en-US" dirty="0"/>
+          </a:p>
+        </p:txBody>
+      </p:sp>
+    </p:spTree>
+    <p:extLst>
+      <p:ext uri="{BB962C8B-B14F-4D97-AF65-F5344CB8AC3E}">
+        <p14:creationId xmlns:p14="http://schemas.microsoft.com/office/powerpoint/2010/main" val="846070392"/>
+      </p:ext>
+    </p:extLst>
+  </p:cSld>
+  <p:clrMapOvr>
+    <a:masterClrMapping/>
+  </p:clrMapOvr>
+</p:sld>
+</file>
+
+<file path=ppt/slides/slide4.xml><?xml version="1.0" encoding="utf-8"?>
+<p:sld xmlns:a="http://schemas.openxmlformats.org/drawingml/2006/main" xmlns:r="http://schemas.openxmlformats.org/officeDocument/2006/relationships" xmlns:p="http://schemas.openxmlformats.org/presentationml/2006/main">
+  <p:cSld>
+    <p:spTree>
+      <p:nvGrpSpPr>
+        <p:cNvPr id="1" name=""/>
+        <p:cNvGrpSpPr/>
+        <p:nvPr/>
+      </p:nvGrpSpPr>
+      <p:grpSpPr>
+        <a:xfrm>
+          <a:off x="0" y="0"/>
+          <a:ext cx="0" cy="0"/>
+          <a:chOff x="0" y="0"/>
+          <a:chExt cx="0" cy="0"/>
+        </a:xfrm>
+      </p:grpSpPr>
+      <p:sp>
+        <p:nvSpPr>
+          <p:cNvPr id="2" name="TextBox 1"/>
+          <p:cNvSpPr txBox="1"/>
+          <p:nvPr/>
+        </p:nvSpPr>
+        <p:spPr>
+          <a:xfrm>
+            <a:off x="233887" y="260648"/>
+            <a:ext cx="3367653" cy="646331"/>
+          </a:xfrm>
+          <a:prstGeom prst="rect">
+            <a:avLst/>
+          </a:prstGeom>
+          <a:noFill/>
+        </p:spPr>
+        <p:txBody>
+          <a:bodyPr wrap="none" rtlCol="0">
+            <a:spAutoFit/>
+          </a:bodyPr>
+          <a:lstStyle/>
+          <a:p>
+            <a:r>
+              <a:rPr lang="en-US" altLang="ko-KR" b="1" dirty="0" smtClean="0"/>
+              <a:t>Use </a:t>
+            </a:r>
+            <a:r>
+              <a:rPr lang="en-US" altLang="ko-KR" b="1" dirty="0" err="1" smtClean="0"/>
+              <a:t>Springframework</a:t>
+            </a:r>
+            <a:r>
+              <a:rPr lang="en-US" altLang="ko-KR" b="1" dirty="0" smtClean="0"/>
+              <a:t> Profile</a:t>
+            </a:r>
+            <a:endParaRPr lang="en-US" altLang="ko-KR" b="1" dirty="0" smtClean="0"/>
+          </a:p>
+          <a:p>
+            <a:r>
+              <a:rPr lang="en-US" altLang="ko-KR" dirty="0" smtClean="0"/>
+              <a:t>-</a:t>
+            </a:r>
+            <a:endParaRPr lang="ko-KR" altLang="en-US" dirty="0"/>
+          </a:p>
+        </p:txBody>
+      </p:sp>
+    </p:spTree>
+    <p:extLst>
+      <p:ext uri="{BB962C8B-B14F-4D97-AF65-F5344CB8AC3E}">
+        <p14:creationId xmlns:p14="http://schemas.microsoft.com/office/powerpoint/2010/main" val="2474863452"/>
+      </p:ext>
+    </p:extLst>
+  </p:cSld>
+  <p:clrMapOvr>
+    <a:masterClrMapping/>
+  </p:clrMapOvr>
+</p:sld>
+</file>
+
+<file path=ppt/slides/slide5.xml><?xml version="1.0" encoding="utf-8"?>
+<p:sld xmlns:a="http://schemas.openxmlformats.org/drawingml/2006/main" xmlns:r="http://schemas.openxmlformats.org/officeDocument/2006/relationships" xmlns:p="http://schemas.openxmlformats.org/presentationml/2006/main">
+  <p:cSld>
+    <p:spTree>
+      <p:nvGrpSpPr>
+        <p:cNvPr id="1" name=""/>
+        <p:cNvGrpSpPr/>
+        <p:nvPr/>
+      </p:nvGrpSpPr>
+      <p:grpSpPr>
+        <a:xfrm>
+          <a:off x="0" y="0"/>
+          <a:ext cx="0" cy="0"/>
+          <a:chOff x="0" y="0"/>
+          <a:chExt cx="0" cy="0"/>
+        </a:xfrm>
+      </p:grpSpPr>
+      <p:sp>
+        <p:nvSpPr>
+          <p:cNvPr id="2" name="TextBox 1"/>
+          <p:cNvSpPr txBox="1"/>
+          <p:nvPr/>
+        </p:nvSpPr>
+        <p:spPr>
+          <a:xfrm>
+            <a:off x="233887" y="260648"/>
+            <a:ext cx="2916696" cy="646331"/>
+          </a:xfrm>
+          <a:prstGeom prst="rect">
+            <a:avLst/>
+          </a:prstGeom>
+          <a:noFill/>
+        </p:spPr>
+        <p:txBody>
+          <a:bodyPr wrap="none" rtlCol="0">
+            <a:spAutoFit/>
+          </a:bodyPr>
+          <a:lstStyle/>
+          <a:p>
+            <a:r>
+              <a:rPr lang="en-US" altLang="ko-KR" b="1" dirty="0" smtClean="0"/>
+              <a:t>Build with Maven Profile</a:t>
+            </a:r>
+            <a:endParaRPr lang="en-US" altLang="ko-KR" b="1" dirty="0" smtClean="0"/>
+          </a:p>
+          <a:p>
+            <a:r>
+              <a:rPr lang="en-US" altLang="ko-KR" dirty="0" smtClean="0"/>
+              <a:t>-</a:t>
+            </a:r>
+            <a:endParaRPr lang="ko-KR" altLang="en-US" dirty="0"/>
+          </a:p>
+        </p:txBody>
+      </p:sp>
+    </p:spTree>
+    <p:extLst>
+      <p:ext uri="{BB962C8B-B14F-4D97-AF65-F5344CB8AC3E}">
+        <p14:creationId xmlns:p14="http://schemas.microsoft.com/office/powerpoint/2010/main" val="2603527136"/>
       </p:ext>
     </p:extLst>
   </p:cSld>
